--- a/materials/slides/ch13-vim-and-linux-c-programming.pptx
+++ b/materials/slides/ch13-vim-and-linux-c-programming.pptx
@@ -278,7 +278,7 @@
           <a:p>
             <a:fld id="{02E60DA2-A0BC-48C9-AA88-75C78721B420}" type="datetimeFigureOut">
               <a:rPr lang="zh-CN" altLang="en-US" smtClean="0"/>
-              <a:t>2018/5/21</a:t>
+              <a:t>2018/6/1</a:t>
             </a:fld>
             <a:endParaRPr lang="zh-CN" altLang="en-US"/>
           </a:p>
@@ -500,7 +500,7 @@
           <a:p>
             <a:fld id="{02E60DA2-A0BC-48C9-AA88-75C78721B420}" type="datetimeFigureOut">
               <a:rPr lang="zh-CN" altLang="en-US" smtClean="0"/>
-              <a:t>2018/5/21</a:t>
+              <a:t>2018/6/1</a:t>
             </a:fld>
             <a:endParaRPr lang="zh-CN" altLang="en-US"/>
           </a:p>
@@ -732,7 +732,7 @@
           <a:p>
             <a:fld id="{02E60DA2-A0BC-48C9-AA88-75C78721B420}" type="datetimeFigureOut">
               <a:rPr lang="zh-CN" altLang="en-US" smtClean="0"/>
-              <a:t>2018/5/21</a:t>
+              <a:t>2018/6/1</a:t>
             </a:fld>
             <a:endParaRPr lang="zh-CN" altLang="en-US"/>
           </a:p>
@@ -982,7 +982,7 @@
           <a:p>
             <a:fld id="{02E60DA2-A0BC-48C9-AA88-75C78721B420}" type="datetimeFigureOut">
               <a:rPr lang="zh-CN" altLang="en-US" smtClean="0"/>
-              <a:t>2018/5/21</a:t>
+              <a:t>2018/6/1</a:t>
             </a:fld>
             <a:endParaRPr lang="zh-CN" altLang="en-US"/>
           </a:p>
@@ -1220,7 +1220,7 @@
           <a:p>
             <a:fld id="{02E60DA2-A0BC-48C9-AA88-75C78721B420}" type="datetimeFigureOut">
               <a:rPr lang="zh-CN" altLang="en-US" smtClean="0"/>
-              <a:t>2018/5/21</a:t>
+              <a:t>2018/6/1</a:t>
             </a:fld>
             <a:endParaRPr lang="zh-CN" altLang="en-US"/>
           </a:p>
@@ -1525,7 +1525,7 @@
           <a:p>
             <a:fld id="{02E60DA2-A0BC-48C9-AA88-75C78721B420}" type="datetimeFigureOut">
               <a:rPr lang="zh-CN" altLang="en-US" smtClean="0"/>
-              <a:t>2018/5/21</a:t>
+              <a:t>2018/6/1</a:t>
             </a:fld>
             <a:endParaRPr lang="zh-CN" altLang="en-US"/>
           </a:p>
@@ -1828,7 +1828,7 @@
           <a:p>
             <a:fld id="{02E60DA2-A0BC-48C9-AA88-75C78721B420}" type="datetimeFigureOut">
               <a:rPr lang="zh-CN" altLang="en-US" smtClean="0"/>
-              <a:t>2018/5/21</a:t>
+              <a:t>2018/6/1</a:t>
             </a:fld>
             <a:endParaRPr lang="zh-CN" altLang="en-US"/>
           </a:p>
@@ -2279,7 +2279,7 @@
           <a:p>
             <a:fld id="{02E60DA2-A0BC-48C9-AA88-75C78721B420}" type="datetimeFigureOut">
               <a:rPr lang="zh-CN" altLang="en-US" smtClean="0"/>
-              <a:t>2018/5/21</a:t>
+              <a:t>2018/6/1</a:t>
             </a:fld>
             <a:endParaRPr lang="zh-CN" altLang="en-US"/>
           </a:p>
@@ -2452,7 +2452,7 @@
           <a:p>
             <a:fld id="{02E60DA2-A0BC-48C9-AA88-75C78721B420}" type="datetimeFigureOut">
               <a:rPr lang="zh-CN" altLang="en-US" smtClean="0"/>
-              <a:t>2018/5/21</a:t>
+              <a:t>2018/6/1</a:t>
             </a:fld>
             <a:endParaRPr lang="zh-CN" altLang="en-US"/>
           </a:p>
@@ -2589,7 +2589,7 @@
           <a:p>
             <a:fld id="{02E60DA2-A0BC-48C9-AA88-75C78721B420}" type="datetimeFigureOut">
               <a:rPr lang="zh-CN" altLang="en-US" smtClean="0"/>
-              <a:t>2018/5/21</a:t>
+              <a:t>2018/6/1</a:t>
             </a:fld>
             <a:endParaRPr lang="zh-CN" altLang="en-US"/>
           </a:p>
@@ -2933,7 +2933,7 @@
           <a:p>
             <a:fld id="{02E60DA2-A0BC-48C9-AA88-75C78721B420}" type="datetimeFigureOut">
               <a:rPr lang="zh-CN" altLang="en-US" smtClean="0"/>
-              <a:t>2018/5/21</a:t>
+              <a:t>2018/6/1</a:t>
             </a:fld>
             <a:endParaRPr lang="zh-CN" altLang="en-US"/>
           </a:p>
@@ -3155,7 +3155,7 @@
           <a:p>
             <a:fld id="{02E60DA2-A0BC-48C9-AA88-75C78721B420}" type="datetimeFigureOut">
               <a:rPr lang="zh-CN" altLang="en-US" smtClean="0"/>
-              <a:t>2018/5/21</a:t>
+              <a:t>2018/6/1</a:t>
             </a:fld>
             <a:endParaRPr lang="zh-CN" altLang="en-US"/>
           </a:p>
@@ -3476,7 +3476,7 @@
           <a:p>
             <a:fld id="{02E60DA2-A0BC-48C9-AA88-75C78721B420}" type="datetimeFigureOut">
               <a:rPr lang="zh-CN" altLang="en-US" smtClean="0"/>
-              <a:t>2018/5/21</a:t>
+              <a:t>2018/6/1</a:t>
             </a:fld>
             <a:endParaRPr lang="zh-CN" altLang="en-US"/>
           </a:p>
@@ -3714,7 +3714,7 @@
           <a:p>
             <a:fld id="{02E60DA2-A0BC-48C9-AA88-75C78721B420}" type="datetimeFigureOut">
               <a:rPr lang="zh-CN" altLang="en-US" smtClean="0"/>
-              <a:t>2018/5/21</a:t>
+              <a:t>2018/6/1</a:t>
             </a:fld>
             <a:endParaRPr lang="zh-CN" altLang="en-US"/>
           </a:p>
@@ -3952,7 +3952,7 @@
           <a:p>
             <a:fld id="{02E60DA2-A0BC-48C9-AA88-75C78721B420}" type="datetimeFigureOut">
               <a:rPr lang="zh-CN" altLang="en-US" smtClean="0"/>
-              <a:t>2018/5/21</a:t>
+              <a:t>2018/6/1</a:t>
             </a:fld>
             <a:endParaRPr lang="zh-CN" altLang="en-US"/>
           </a:p>
@@ -4251,7 +4251,7 @@
           <a:p>
             <a:fld id="{02E60DA2-A0BC-48C9-AA88-75C78721B420}" type="datetimeFigureOut">
               <a:rPr lang="zh-CN" altLang="en-US" smtClean="0"/>
-              <a:t>2018/5/21</a:t>
+              <a:t>2018/6/1</a:t>
             </a:fld>
             <a:endParaRPr lang="zh-CN" altLang="en-US"/>
           </a:p>
@@ -4540,7 +4540,7 @@
           <a:p>
             <a:fld id="{02E60DA2-A0BC-48C9-AA88-75C78721B420}" type="datetimeFigureOut">
               <a:rPr lang="zh-CN" altLang="en-US" smtClean="0"/>
-              <a:t>2018/5/21</a:t>
+              <a:t>2018/6/1</a:t>
             </a:fld>
             <a:endParaRPr lang="zh-CN" altLang="en-US"/>
           </a:p>
@@ -4976,7 +4976,7 @@
           <a:p>
             <a:fld id="{02E60DA2-A0BC-48C9-AA88-75C78721B420}" type="datetimeFigureOut">
               <a:rPr lang="zh-CN" altLang="en-US" smtClean="0"/>
-              <a:t>2018/5/21</a:t>
+              <a:t>2018/6/1</a:t>
             </a:fld>
             <a:endParaRPr lang="zh-CN" altLang="en-US"/>
           </a:p>
@@ -5141,7 +5141,7 @@
           <a:p>
             <a:fld id="{02E60DA2-A0BC-48C9-AA88-75C78721B420}" type="datetimeFigureOut">
               <a:rPr lang="zh-CN" altLang="en-US" smtClean="0"/>
-              <a:t>2018/5/21</a:t>
+              <a:t>2018/6/1</a:t>
             </a:fld>
             <a:endParaRPr lang="zh-CN" altLang="en-US"/>
           </a:p>
@@ -5278,7 +5278,7 @@
           <a:p>
             <a:fld id="{02E60DA2-A0BC-48C9-AA88-75C78721B420}" type="datetimeFigureOut">
               <a:rPr lang="zh-CN" altLang="en-US" smtClean="0"/>
-              <a:t>2018/5/21</a:t>
+              <a:t>2018/6/1</a:t>
             </a:fld>
             <a:endParaRPr lang="zh-CN" altLang="en-US"/>
           </a:p>
@@ -5613,7 +5613,7 @@
           <a:p>
             <a:fld id="{02E60DA2-A0BC-48C9-AA88-75C78721B420}" type="datetimeFigureOut">
               <a:rPr lang="zh-CN" altLang="en-US" smtClean="0"/>
-              <a:t>2018/5/21</a:t>
+              <a:t>2018/6/1</a:t>
             </a:fld>
             <a:endParaRPr lang="zh-CN" altLang="en-US"/>
           </a:p>
@@ -5925,7 +5925,7 @@
           <a:p>
             <a:fld id="{02E60DA2-A0BC-48C9-AA88-75C78721B420}" type="datetimeFigureOut">
               <a:rPr lang="zh-CN" altLang="en-US" smtClean="0"/>
-              <a:t>2018/5/21</a:t>
+              <a:t>2018/6/1</a:t>
             </a:fld>
             <a:endParaRPr lang="zh-CN" altLang="en-US"/>
           </a:p>
@@ -7207,11 +7207,129 @@
         <p:spPr/>
         <p:txBody>
           <a:bodyPr>
-            <a:normAutofit/>
+            <a:normAutofit lnSpcReduction="10000"/>
           </a:bodyPr>
           <a:lstStyle/>
           <a:p>
-            <a:endParaRPr lang="en-US" altLang="zh-CN" sz="2400" dirty="0"/>
+            <a:r>
+              <a:rPr lang="zh-CN" altLang="en-US" sz="2400">
+                <a:latin typeface="Roboto Mono Light" pitchFamily="2" charset="0"/>
+              </a:rPr>
+              <a:t>输出传递给程序的参数：</a:t>
+            </a:r>
+            <a:endParaRPr lang="en-US" altLang="zh-CN" sz="2400">
+              <a:latin typeface="Roboto Mono Light" pitchFamily="2" charset="0"/>
+            </a:endParaRPr>
+          </a:p>
+          <a:p>
+            <a:pPr marL="0" indent="0">
+              <a:buNone/>
+            </a:pPr>
+            <a:r>
+              <a:rPr lang="en-US" altLang="zh-CN" sz="2400">
+                <a:latin typeface="Roboto Mono Light" pitchFamily="2" charset="0"/>
+              </a:rPr>
+              <a:t>#include &lt;stdio.h&gt;</a:t>
+            </a:r>
+          </a:p>
+          <a:p>
+            <a:pPr marL="0" indent="0">
+              <a:buNone/>
+            </a:pPr>
+            <a:r>
+              <a:rPr lang="en-US" altLang="zh-CN" sz="2400">
+                <a:latin typeface="Roboto Mono Light" pitchFamily="2" charset="0"/>
+              </a:rPr>
+              <a:t>int main(int argc, char* argv[])</a:t>
+            </a:r>
+          </a:p>
+          <a:p>
+            <a:pPr marL="0" indent="0">
+              <a:buNone/>
+            </a:pPr>
+            <a:r>
+              <a:rPr lang="en-US" altLang="zh-CN" sz="2400">
+                <a:latin typeface="Roboto Mono Light" pitchFamily="2" charset="0"/>
+              </a:rPr>
+              <a:t>{</a:t>
+            </a:r>
+          </a:p>
+          <a:p>
+            <a:pPr marL="0" indent="0">
+              <a:buNone/>
+            </a:pPr>
+            <a:r>
+              <a:rPr lang="en-US" altLang="zh-CN" sz="2400">
+                <a:latin typeface="Roboto Mono Light" pitchFamily="2" charset="0"/>
+              </a:rPr>
+              <a:t>    printf(“program name: %s\n”, argv[0]);</a:t>
+            </a:r>
+          </a:p>
+          <a:p>
+            <a:pPr marL="0" indent="0">
+              <a:buNone/>
+            </a:pPr>
+            <a:r>
+              <a:rPr lang="en-US" altLang="zh-CN" sz="2400">
+                <a:latin typeface="Roboto Mono Light" pitchFamily="2" charset="0"/>
+              </a:rPr>
+              <a:t>    for (int i=1; i&lt;argc; i++) </a:t>
+            </a:r>
+          </a:p>
+          <a:p>
+            <a:pPr marL="0" indent="0">
+              <a:buNone/>
+            </a:pPr>
+            <a:r>
+              <a:rPr lang="en-US" altLang="zh-CN" sz="2400">
+                <a:latin typeface="Roboto Mono Light" pitchFamily="2" charset="0"/>
+              </a:rPr>
+              <a:t>        printf(“%s ”, argv[i]);</a:t>
+            </a:r>
+          </a:p>
+          <a:p>
+            <a:pPr marL="0" indent="0">
+              <a:buNone/>
+            </a:pPr>
+            <a:r>
+              <a:rPr lang="en-US" altLang="zh-CN" sz="2400">
+                <a:latin typeface="Roboto Mono Light" pitchFamily="2" charset="0"/>
+              </a:rPr>
+              <a:t>    if (argc&gt;1)</a:t>
+            </a:r>
+          </a:p>
+          <a:p>
+            <a:pPr marL="0" indent="0">
+              <a:buNone/>
+            </a:pPr>
+            <a:r>
+              <a:rPr lang="en-US" altLang="zh-CN" sz="2400">
+                <a:latin typeface="Roboto Mono Light" pitchFamily="2" charset="0"/>
+              </a:rPr>
+              <a:t>        printf(“\n”);</a:t>
+            </a:r>
+          </a:p>
+          <a:p>
+            <a:pPr marL="0" indent="0">
+              <a:buNone/>
+            </a:pPr>
+            <a:r>
+              <a:rPr lang="en-US" altLang="zh-CN" sz="2400">
+                <a:latin typeface="Roboto Mono Light" pitchFamily="2" charset="0"/>
+              </a:rPr>
+              <a:t>    return 0;</a:t>
+            </a:r>
+          </a:p>
+          <a:p>
+            <a:pPr marL="0" indent="0">
+              <a:buNone/>
+            </a:pPr>
+            <a:r>
+              <a:rPr lang="en-US" altLang="zh-CN" sz="2400">
+                <a:latin typeface="Roboto Mono Light" pitchFamily="2" charset="0"/>
+              </a:rPr>
+              <a:t>}</a:t>
+            </a:r>
           </a:p>
         </p:txBody>
       </p:sp>
@@ -7268,7 +7386,7 @@
           <a:p>
             <a:r>
               <a:rPr lang="zh-CN" altLang="en-US"/>
-              <a:t>支持参数的程序</a:t>
+              <a:t>编程训练</a:t>
             </a:r>
             <a:endParaRPr lang="zh-CN" altLang="en-US" dirty="0"/>
           </a:p>
@@ -7297,7 +7415,223 @@
           </a:bodyPr>
           <a:lstStyle/>
           <a:p>
-            <a:endParaRPr lang="en-US" altLang="zh-CN" sz="2400" dirty="0"/>
+            <a:r>
+              <a:rPr lang="zh-CN" altLang="en-US" sz="2400">
+                <a:latin typeface="Roboto Mono Light" pitchFamily="2" charset="0"/>
+              </a:rPr>
+              <a:t>编写一个对整数排序的程序，通过参数获取数字，并输出排序结果。</a:t>
+            </a:r>
+            <a:endParaRPr lang="en-US" altLang="zh-CN" sz="2400">
+              <a:latin typeface="Roboto Mono Light" pitchFamily="2" charset="0"/>
+            </a:endParaRPr>
+          </a:p>
+          <a:p>
+            <a:r>
+              <a:rPr lang="zh-CN" altLang="en-US" sz="2400">
+                <a:latin typeface="Roboto Mono Light" pitchFamily="2" charset="0"/>
+              </a:rPr>
+              <a:t>使用插入排序即可，插入排序示例</a:t>
+            </a:r>
+            <a:r>
+              <a:rPr lang="en-US" altLang="zh-CN" sz="2400">
+                <a:latin typeface="Roboto Mono Light" pitchFamily="2" charset="0"/>
+              </a:rPr>
+              <a:t>(nms</a:t>
+            </a:r>
+            <a:r>
+              <a:rPr lang="zh-CN" altLang="en-US" sz="2400">
+                <a:latin typeface="Roboto Mono Light" pitchFamily="2" charset="0"/>
+              </a:rPr>
+              <a:t>是数字数组</a:t>
+            </a:r>
+            <a:r>
+              <a:rPr lang="en-US" altLang="zh-CN" sz="2400">
+                <a:latin typeface="Roboto Mono Light" pitchFamily="2" charset="0"/>
+              </a:rPr>
+              <a:t>)</a:t>
+            </a:r>
+            <a:r>
+              <a:rPr lang="zh-CN" altLang="en-US" sz="2400">
+                <a:latin typeface="Roboto Mono Light" pitchFamily="2" charset="0"/>
+              </a:rPr>
+              <a:t>：</a:t>
+            </a:r>
+            <a:endParaRPr lang="en-US" altLang="zh-CN" sz="2400" dirty="0">
+              <a:latin typeface="Roboto Mono Light" pitchFamily="2" charset="0"/>
+            </a:endParaRPr>
+          </a:p>
+          <a:p>
+            <a:pPr marL="457200" lvl="1" indent="0">
+              <a:buNone/>
+            </a:pPr>
+            <a:r>
+              <a:rPr lang="en-US" altLang="zh-CN" sz="2000">
+                <a:latin typeface="Roboto Mono Light" pitchFamily="2" charset="0"/>
+              </a:rPr>
+              <a:t>int k,j,tmp;</a:t>
+            </a:r>
+          </a:p>
+          <a:p>
+            <a:pPr marL="457200" lvl="1" indent="0">
+              <a:buNone/>
+            </a:pPr>
+            <a:r>
+              <a:rPr lang="en-US" altLang="zh-CN" sz="2000">
+                <a:latin typeface="Roboto Mono Light" pitchFamily="2" charset="0"/>
+              </a:rPr>
+              <a:t>for (k=1;k&lt;N;k++) {</a:t>
+            </a:r>
+          </a:p>
+          <a:p>
+            <a:pPr marL="457200" lvl="1" indent="0">
+              <a:buNone/>
+            </a:pPr>
+            <a:r>
+              <a:rPr lang="en-US" altLang="zh-CN" sz="2000">
+                <a:latin typeface="Roboto Mono Light" pitchFamily="2" charset="0"/>
+              </a:rPr>
+              <a:t>    tmp = nms[k];</a:t>
+            </a:r>
+          </a:p>
+          <a:p>
+            <a:pPr marL="457200" lvl="1" indent="0">
+              <a:buNone/>
+            </a:pPr>
+            <a:r>
+              <a:rPr lang="en-US" altLang="zh-CN" sz="2000">
+                <a:latin typeface="Roboto Mono Light" pitchFamily="2" charset="0"/>
+              </a:rPr>
+              <a:t>    for(j=k;j&gt;0 &amp;&amp; nms[j-1]&gt;tmp;j--)</a:t>
+            </a:r>
+          </a:p>
+          <a:p>
+            <a:pPr marL="457200" lvl="1" indent="0">
+              <a:buNone/>
+            </a:pPr>
+            <a:r>
+              <a:rPr lang="en-US" altLang="zh-CN" sz="2000">
+                <a:latin typeface="Roboto Mono Light" pitchFamily="2" charset="0"/>
+              </a:rPr>
+              <a:t>        nms[j] = nms[j-1];</a:t>
+            </a:r>
+          </a:p>
+          <a:p>
+            <a:pPr marL="457200" lvl="1" indent="0">
+              <a:buNone/>
+            </a:pPr>
+            <a:r>
+              <a:rPr lang="en-US" altLang="zh-CN" sz="2000">
+                <a:latin typeface="Roboto Mono Light" pitchFamily="2" charset="0"/>
+              </a:rPr>
+              <a:t>    nms[j] = tmp;</a:t>
+            </a:r>
+          </a:p>
+          <a:p>
+            <a:pPr marL="457200" lvl="1" indent="0">
+              <a:buNone/>
+            </a:pPr>
+            <a:r>
+              <a:rPr lang="en-US" altLang="zh-CN" sz="2000">
+                <a:latin typeface="Roboto Mono Light" pitchFamily="2" charset="0"/>
+              </a:rPr>
+              <a:t>}</a:t>
+            </a:r>
+            <a:endParaRPr lang="en-US" altLang="zh-CN" sz="2000" dirty="0">
+              <a:latin typeface="Roboto Mono Light" pitchFamily="2" charset="0"/>
+            </a:endParaRPr>
+          </a:p>
+          <a:p>
+            <a:r>
+              <a:rPr lang="zh-CN" altLang="en-US" sz="2400">
+                <a:latin typeface="Roboto Mono Light" pitchFamily="2" charset="0"/>
+              </a:rPr>
+              <a:t>提示：</a:t>
+            </a:r>
+            <a:endParaRPr lang="en-US" altLang="zh-CN" sz="2400">
+              <a:latin typeface="Roboto Mono Light" pitchFamily="2" charset="0"/>
+            </a:endParaRPr>
+          </a:p>
+          <a:p>
+            <a:pPr marL="457200" lvl="1" indent="0">
+              <a:buNone/>
+            </a:pPr>
+            <a:r>
+              <a:rPr lang="zh-CN" altLang="en-US" sz="2000">
+                <a:latin typeface="Roboto Mono Light" pitchFamily="2" charset="0"/>
+              </a:rPr>
+              <a:t>通过</a:t>
+            </a:r>
+            <a:r>
+              <a:rPr lang="en-US" altLang="zh-CN" sz="2000">
+                <a:latin typeface="Roboto Mono Light" pitchFamily="2" charset="0"/>
+              </a:rPr>
+              <a:t>atoi(argv[i])</a:t>
+            </a:r>
+            <a:r>
+              <a:rPr lang="zh-CN" altLang="en-US" sz="2000">
+                <a:latin typeface="Roboto Mono Light" pitchFamily="2" charset="0"/>
+              </a:rPr>
+              <a:t>可以把输入的参数转换成整数。</a:t>
+            </a:r>
+            <a:endParaRPr lang="en-US" altLang="zh-CN" sz="2000">
+              <a:latin typeface="Roboto Mono Light" pitchFamily="2" charset="0"/>
+            </a:endParaRPr>
+          </a:p>
+          <a:p>
+            <a:pPr marL="457200" lvl="1" indent="0">
+              <a:buNone/>
+            </a:pPr>
+            <a:r>
+              <a:rPr lang="en-US" altLang="zh-CN" sz="2000">
+                <a:latin typeface="Roboto Mono Light" pitchFamily="2" charset="0"/>
+              </a:rPr>
+              <a:t>int *n = (int*)malloc(sizeof(int)*10);</a:t>
+            </a:r>
+            <a:r>
+              <a:rPr lang="zh-CN" altLang="en-US" sz="2000">
+                <a:latin typeface="Roboto Mono Light" pitchFamily="2" charset="0"/>
+              </a:rPr>
+              <a:t>会申请一个长度为</a:t>
+            </a:r>
+            <a:r>
+              <a:rPr lang="en-US" altLang="zh-CN" sz="2000">
+                <a:latin typeface="Roboto Mono Light" pitchFamily="2" charset="0"/>
+              </a:rPr>
+              <a:t>10*sizeof(int)</a:t>
+            </a:r>
+            <a:r>
+              <a:rPr lang="zh-CN" altLang="en-US" sz="2000">
+                <a:latin typeface="Roboto Mono Light" pitchFamily="2" charset="0"/>
+              </a:rPr>
+              <a:t>字节的数组，并返回一个</a:t>
+            </a:r>
+            <a:r>
+              <a:rPr lang="en-US" altLang="zh-CN" sz="2000">
+                <a:latin typeface="Roboto Mono Light" pitchFamily="2" charset="0"/>
+              </a:rPr>
+              <a:t>int*</a:t>
+            </a:r>
+            <a:r>
+              <a:rPr lang="zh-CN" altLang="en-US" sz="2000">
+                <a:latin typeface="Roboto Mono Light" pitchFamily="2" charset="0"/>
+              </a:rPr>
+              <a:t>类型的指针。使用</a:t>
+            </a:r>
+            <a:r>
+              <a:rPr lang="en-US" altLang="zh-CN" sz="2000">
+                <a:latin typeface="Roboto Mono Light" pitchFamily="2" charset="0"/>
+              </a:rPr>
+              <a:t>free(n)</a:t>
+            </a:r>
+            <a:r>
+              <a:rPr lang="zh-CN" altLang="en-US" sz="2000">
+                <a:latin typeface="Roboto Mono Light" pitchFamily="2" charset="0"/>
+              </a:rPr>
+              <a:t>释放掉申请的内存。</a:t>
+            </a:r>
+            <a:endParaRPr lang="en-US" altLang="zh-CN" sz="2000">
+              <a:latin typeface="Roboto Mono Light" pitchFamily="2" charset="0"/>
+            </a:endParaRPr>
           </a:p>
         </p:txBody>
       </p:sp>
@@ -7565,8 +7899,20 @@
               <a:t>vim</a:t>
             </a:r>
             <a:r>
+              <a:rPr lang="zh-CN" altLang="en-US" sz="2400"/>
+              <a:t>配置文件使用 </a:t>
+            </a:r>
+            <a:r>
+              <a:rPr lang="en-US" altLang="zh-CN" sz="2400"/>
+              <a:t>” </a:t>
+            </a:r>
+            <a:r>
+              <a:rPr lang="zh-CN" altLang="en-US" sz="2400"/>
+              <a:t>标记</a:t>
+            </a:r>
+            <a:r>
               <a:rPr lang="zh-CN" altLang="en-US" sz="2400" dirty="0"/>
-              <a:t>配置文件使用“标记注释。</a:t>
+              <a:t>注释。</a:t>
             </a:r>
             <a:endParaRPr lang="en-US" altLang="zh-CN" sz="2400" dirty="0"/>
           </a:p>
@@ -7632,9 +7978,10 @@
           <a:lstStyle/>
           <a:p>
             <a:r>
-              <a:rPr lang="zh-CN" altLang="en-US" dirty="0"/>
-              <a:t>常用配置</a:t>
-            </a:r>
+              <a:rPr lang="zh-CN" altLang="en-US"/>
+              <a:t>基本配置</a:t>
+            </a:r>
+            <a:endParaRPr lang="zh-CN" altLang="en-US" dirty="0"/>
           </a:p>
         </p:txBody>
       </p:sp>
@@ -7686,8 +8033,13 @@
             </a:r>
             <a:r>
               <a:rPr lang="zh-CN" altLang="en-US" sz="2400" dirty="0"/>
-              <a:t>表示所有模式都支持</a:t>
-            </a:r>
+              <a:t>表示所有模式</a:t>
+            </a:r>
+            <a:r>
+              <a:rPr lang="zh-CN" altLang="en-US" sz="2400"/>
+              <a:t>都支持</a:t>
+            </a:r>
+            <a:endParaRPr lang="zh-CN" altLang="en-US" sz="2400" dirty="0"/>
           </a:p>
           <a:p>
             <a:pPr marL="0" indent="0">
@@ -7698,12 +8050,21 @@
             </a:pPr>
             <a:r>
               <a:rPr lang="en-US" altLang="zh-CN" sz="2400" dirty="0"/>
-              <a:t>set term=screen-256color “ </a:t>
+              <a:t>set </a:t>
+            </a:r>
+            <a:r>
+              <a:rPr lang="en-US" altLang="zh-CN" sz="2400" dirty="0" err="1"/>
+              <a:t>t_Co</a:t>
+            </a:r>
+            <a:r>
+              <a:rPr lang="en-US" altLang="zh-CN" sz="2400" dirty="0"/>
+              <a:t>=256  “ 256</a:t>
             </a:r>
             <a:r>
               <a:rPr lang="zh-CN" altLang="en-US" sz="2400" dirty="0"/>
-              <a:t>设置终端颜色模式</a:t>
-            </a:r>
+              <a:t>颜色支持</a:t>
+            </a:r>
+            <a:endParaRPr lang="en-US" altLang="zh-CN" sz="2400" dirty="0"/>
           </a:p>
           <a:p>
             <a:pPr marL="0" indent="0">
@@ -7714,21 +8075,12 @@
             </a:pPr>
             <a:r>
               <a:rPr lang="en-US" altLang="zh-CN" sz="2400" dirty="0"/>
-              <a:t>set </a:t>
-            </a:r>
-            <a:r>
-              <a:rPr lang="en-US" altLang="zh-CN" sz="2400" dirty="0" err="1"/>
-              <a:t>t_Co</a:t>
-            </a:r>
-            <a:r>
-              <a:rPr lang="en-US" altLang="zh-CN" sz="2400" dirty="0"/>
-              <a:t>=256  “ 256</a:t>
+              <a:t>set number “ </a:t>
             </a:r>
             <a:r>
               <a:rPr lang="zh-CN" altLang="en-US" sz="2400" dirty="0"/>
-              <a:t>颜色支持</a:t>
-            </a:r>
-            <a:endParaRPr lang="en-US" altLang="zh-CN" sz="2400" dirty="0"/>
+              <a:t>显示行号</a:t>
+            </a:r>
           </a:p>
           <a:p>
             <a:pPr marL="0" indent="0">
@@ -7739,11 +8091,11 @@
             </a:pPr>
             <a:r>
               <a:rPr lang="en-US" altLang="zh-CN" sz="2400" dirty="0"/>
-              <a:t>set number “ </a:t>
+              <a:t>set backspace=2 “ </a:t>
             </a:r>
             <a:r>
               <a:rPr lang="zh-CN" altLang="en-US" sz="2400" dirty="0"/>
-              <a:t>显示行号</a:t>
+              <a:t>设置退格键删除</a:t>
             </a:r>
           </a:p>
           <a:p>
@@ -7755,11 +8107,31 @@
             </a:pPr>
             <a:r>
               <a:rPr lang="en-US" altLang="zh-CN" sz="2400" dirty="0"/>
-              <a:t>set backspace=2 “ </a:t>
+              <a:t>set </a:t>
+            </a:r>
+            <a:r>
+              <a:rPr lang="en-US" altLang="zh-CN" sz="2400" dirty="0" err="1"/>
+              <a:t>fileencodings</a:t>
+            </a:r>
+            <a:r>
+              <a:rPr lang="en-US" altLang="zh-CN" sz="2400" dirty="0"/>
+              <a:t>=utf-8 </a:t>
+            </a:r>
+            <a:r>
+              <a:rPr lang="en-US" altLang="zh-CN" sz="2400"/>
+              <a:t>“</a:t>
+            </a:r>
+            <a:r>
+              <a:rPr lang="zh-CN" altLang="en-US" sz="2400"/>
+              <a:t>设置写入文件</a:t>
             </a:r>
             <a:r>
               <a:rPr lang="zh-CN" altLang="en-US" sz="2400" dirty="0"/>
-              <a:t>设置退格键删除</a:t>
+              <a:t>编码为</a:t>
+            </a:r>
+            <a:r>
+              <a:rPr lang="en-US" altLang="zh-CN" sz="2400" dirty="0"/>
+              <a:t>utf-8</a:t>
             </a:r>
           </a:p>
           <a:p>
@@ -7771,19 +8143,19 @@
             </a:pPr>
             <a:r>
               <a:rPr lang="en-US" altLang="zh-CN" sz="2400" dirty="0"/>
-              <a:t>set </a:t>
-            </a:r>
-            <a:r>
-              <a:rPr lang="en-US" altLang="zh-CN" sz="2400" dirty="0" err="1"/>
-              <a:t>fileencodings</a:t>
-            </a:r>
-            <a:r>
-              <a:rPr lang="en-US" altLang="zh-CN" sz="2400" dirty="0"/>
-              <a:t>=utf-8 “</a:t>
-            </a:r>
-            <a:r>
-              <a:rPr lang="zh-CN" altLang="en-US" sz="2400" dirty="0"/>
-              <a:t>设置文件编码为</a:t>
+              <a:t>set encoding=utf-8 “ </a:t>
+            </a:r>
+            <a:r>
+              <a:rPr lang="zh-CN" altLang="en-US" sz="2400"/>
+              <a:t>设置</a:t>
+            </a:r>
+            <a:r>
+              <a:rPr lang="en-US" altLang="zh-CN" sz="2400"/>
+              <a:t>vim</a:t>
+            </a:r>
+            <a:r>
+              <a:rPr lang="zh-CN" altLang="en-US" sz="2400"/>
+              <a:t>缓冲区编码</a:t>
             </a:r>
             <a:r>
               <a:rPr lang="en-US" altLang="zh-CN" sz="2400" dirty="0"/>
@@ -7799,34 +8171,6 @@
             </a:pPr>
             <a:r>
               <a:rPr lang="en-US" altLang="zh-CN" sz="2400" dirty="0"/>
-              <a:t>set encoding=utf-8 “ </a:t>
-            </a:r>
-            <a:r>
-              <a:rPr lang="zh-CN" altLang="en-US" sz="2400" dirty="0"/>
-              <a:t>设置</a:t>
-            </a:r>
-            <a:r>
-              <a:rPr lang="en-US" altLang="zh-CN" sz="2400" dirty="0"/>
-              <a:t>vim</a:t>
-            </a:r>
-            <a:r>
-              <a:rPr lang="zh-CN" altLang="en-US" sz="2400" dirty="0"/>
-              <a:t>编码</a:t>
-            </a:r>
-            <a:r>
-              <a:rPr lang="en-US" altLang="zh-CN" sz="2400" dirty="0"/>
-              <a:t>utf-8</a:t>
-            </a:r>
-          </a:p>
-          <a:p>
-            <a:pPr marL="0" indent="0">
-              <a:lnSpc>
-                <a:spcPts val="2200"/>
-              </a:lnSpc>
-              <a:buNone/>
-            </a:pPr>
-            <a:r>
-              <a:rPr lang="en-US" altLang="zh-CN" sz="2400" dirty="0"/>
               <a:t>set </a:t>
             </a:r>
             <a:r>
@@ -7838,8 +8182,12 @@
               <a:t>=utf-8 ” </a:t>
             </a:r>
             <a:r>
+              <a:rPr lang="zh-CN" altLang="en-US" sz="2400"/>
+              <a:t>设置终端显示编码</a:t>
+            </a:r>
+            <a:r>
               <a:rPr lang="zh-CN" altLang="en-US" sz="2400" dirty="0"/>
-              <a:t>设置终端模式编码为</a:t>
+              <a:t>为</a:t>
             </a:r>
             <a:r>
               <a:rPr lang="en-US" altLang="zh-CN" sz="2400" dirty="0"/>
@@ -8017,9 +8365,10 @@
           <a:lstStyle/>
           <a:p>
             <a:r>
-              <a:rPr lang="zh-CN" altLang="en-US" dirty="0"/>
-              <a:t>其他配置</a:t>
-            </a:r>
+              <a:rPr lang="zh-CN" altLang="en-US"/>
+              <a:t>颜色主题配置</a:t>
+            </a:r>
+            <a:endParaRPr lang="zh-CN" altLang="en-US" dirty="0"/>
           </a:p>
         </p:txBody>
       </p:sp>
@@ -8056,7 +8405,9 @@
                 <a:spcPts val="2000"/>
               </a:lnSpc>
             </a:pPr>
-            <a:endParaRPr lang="en-US" altLang="zh-CN" sz="2400"/>
+            <a:endParaRPr lang="en-US" altLang="zh-CN" sz="2400">
+              <a:latin typeface="Roboto Mono Light" pitchFamily="2" charset="0"/>
+            </a:endParaRPr>
           </a:p>
           <a:p>
             <a:pPr>
@@ -8065,14 +8416,14 @@
               </a:lnSpc>
             </a:pPr>
             <a:r>
-              <a:rPr lang="zh-CN" altLang="en-US" sz="2400"/>
-              <a:t>设置</a:t>
-            </a:r>
-            <a:r>
-              <a:rPr lang="zh-CN" altLang="en-US" sz="2400" dirty="0"/>
-              <a:t>暗色背景</a:t>
-            </a:r>
-            <a:endParaRPr lang="en-US" altLang="zh-CN" sz="2400" dirty="0"/>
+              <a:rPr lang="zh-CN" altLang="en-US" sz="2400">
+                <a:latin typeface="Roboto Mono Light" pitchFamily="2" charset="0"/>
+              </a:rPr>
+              <a:t>设置暗色背景和暗色主题</a:t>
+            </a:r>
+            <a:endParaRPr lang="en-US" altLang="zh-CN" sz="2400" dirty="0">
+              <a:latin typeface="Roboto Mono Light" pitchFamily="2" charset="0"/>
+            </a:endParaRPr>
           </a:p>
           <a:p>
             <a:pPr marL="457200" lvl="1" indent="0">
@@ -8082,8 +8433,33 @@
               <a:buNone/>
             </a:pPr>
             <a:r>
-              <a:rPr lang="en-US" altLang="zh-CN" sz="2000" dirty="0"/>
-              <a:t>set  background=dark</a:t>
+              <a:rPr lang="en-US" altLang="zh-CN">
+                <a:latin typeface="Roboto Mono Light" pitchFamily="2" charset="0"/>
+              </a:rPr>
+              <a:t>set background=dark</a:t>
+            </a:r>
+            <a:endParaRPr lang="en-US" altLang="zh-CN" sz="2400" dirty="0">
+              <a:latin typeface="Roboto Mono Light" pitchFamily="2" charset="0"/>
+            </a:endParaRPr>
+          </a:p>
+          <a:p>
+            <a:pPr marL="457200" lvl="1" indent="0">
+              <a:lnSpc>
+                <a:spcPts val="2000"/>
+              </a:lnSpc>
+              <a:buNone/>
+            </a:pPr>
+            <a:r>
+              <a:rPr lang="en-US" altLang="zh-CN" err="1">
+                <a:latin typeface="Roboto Mono Light" pitchFamily="2" charset="0"/>
+              </a:rPr>
+              <a:t>colorscheme</a:t>
+            </a:r>
+            <a:r>
+              <a:rPr lang="en-US" altLang="zh-CN">
+                <a:latin typeface="Roboto Mono Light" pitchFamily="2" charset="0"/>
+              </a:rPr>
+              <a:t> evening</a:t>
             </a:r>
           </a:p>
           <a:p>
@@ -8092,11 +8468,25 @@
                 <a:spcPts val="2000"/>
               </a:lnSpc>
             </a:pPr>
-            <a:r>
-              <a:rPr lang="zh-CN" altLang="en-US" sz="2400" dirty="0"/>
-              <a:t>设置颜色主题</a:t>
-            </a:r>
-            <a:endParaRPr lang="en-US" altLang="zh-CN" sz="2400" dirty="0"/>
+            <a:endParaRPr lang="en-US" altLang="zh-CN" sz="2400">
+              <a:latin typeface="Roboto Mono Light" pitchFamily="2" charset="0"/>
+            </a:endParaRPr>
+          </a:p>
+          <a:p>
+            <a:pPr>
+              <a:lnSpc>
+                <a:spcPts val="2000"/>
+              </a:lnSpc>
+            </a:pPr>
+            <a:r>
+              <a:rPr lang="zh-CN" altLang="en-US" sz="2400">
+                <a:latin typeface="Roboto Mono Light" pitchFamily="2" charset="0"/>
+              </a:rPr>
+              <a:t>设置亮色主题和亮色背景</a:t>
+            </a:r>
+            <a:endParaRPr lang="en-US" altLang="zh-CN" sz="2400">
+              <a:latin typeface="Roboto Mono Light" pitchFamily="2" charset="0"/>
+            </a:endParaRPr>
           </a:p>
           <a:p>
             <a:pPr marL="457200" lvl="1" indent="0">
@@ -8106,21 +8496,76 @@
               <a:buNone/>
             </a:pPr>
             <a:r>
-              <a:rPr lang="en-US" altLang="zh-CN" sz="2000" dirty="0" err="1"/>
+              <a:rPr lang="en-US" altLang="zh-CN">
+                <a:latin typeface="Roboto Mono Light" pitchFamily="2" charset="0"/>
+              </a:rPr>
+              <a:t>set background=light</a:t>
+            </a:r>
+          </a:p>
+          <a:p>
+            <a:pPr marL="457200" lvl="1" indent="0">
+              <a:lnSpc>
+                <a:spcPts val="2000"/>
+              </a:lnSpc>
+              <a:buNone/>
+            </a:pPr>
+            <a:r>
+              <a:rPr lang="en-US" altLang="zh-CN">
+                <a:latin typeface="Roboto Mono Light" pitchFamily="2" charset="0"/>
+              </a:rPr>
+              <a:t>colorscheme tomorrow</a:t>
+            </a:r>
+          </a:p>
+          <a:p>
+            <a:pPr marL="457200" lvl="1" indent="0">
+              <a:lnSpc>
+                <a:spcPts val="2000"/>
+              </a:lnSpc>
+              <a:buNone/>
+            </a:pPr>
+            <a:endParaRPr lang="en-US" altLang="zh-CN">
+              <a:latin typeface="Roboto Mono Light" pitchFamily="2" charset="0"/>
+            </a:endParaRPr>
+          </a:p>
+          <a:p>
+            <a:pPr>
+              <a:lnSpc>
+                <a:spcPts val="2500"/>
+              </a:lnSpc>
+            </a:pPr>
+            <a:r>
+              <a:rPr lang="zh-CN" altLang="en-US" sz="2400">
+                <a:latin typeface="Roboto Mono Light" pitchFamily="2" charset="0"/>
+              </a:rPr>
+              <a:t>两种模式选一种即可，</a:t>
+            </a:r>
+            <a:r>
+              <a:rPr lang="en-US" altLang="zh-CN" sz="2400">
+                <a:latin typeface="Roboto Mono Light" pitchFamily="2" charset="0"/>
+              </a:rPr>
               <a:t>colorscheme</a:t>
             </a:r>
             <a:r>
-              <a:rPr lang="en-US" altLang="zh-CN" sz="2000" dirty="0"/>
-              <a:t>  </a:t>
-            </a:r>
-            <a:r>
-              <a:rPr lang="en-US" altLang="zh-CN" sz="2000" dirty="0" err="1"/>
-              <a:t>colorsbox</a:t>
-            </a:r>
-            <a:r>
-              <a:rPr lang="en-US" altLang="zh-CN" sz="2000" dirty="0"/>
-              <a:t>-material</a:t>
-            </a:r>
+              <a:rPr lang="zh-CN" altLang="en-US" sz="2400">
+                <a:latin typeface="Roboto Mono Light" pitchFamily="2" charset="0"/>
+              </a:rPr>
+              <a:t>后面的是主题文件名称，不需要加上</a:t>
+            </a:r>
+            <a:r>
+              <a:rPr lang="en-US" altLang="zh-CN" sz="2400">
+                <a:latin typeface="Roboto Mono Light" pitchFamily="2" charset="0"/>
+              </a:rPr>
+              <a:t>.vim</a:t>
+            </a:r>
+            <a:r>
+              <a:rPr lang="zh-CN" altLang="en-US" sz="2400">
+                <a:latin typeface="Roboto Mono Light" pitchFamily="2" charset="0"/>
+              </a:rPr>
+              <a:t>。要确保存在主题文件，否则会出错。</a:t>
+            </a:r>
+            <a:endParaRPr lang="en-US" altLang="zh-CN" sz="2400">
+              <a:latin typeface="Roboto Mono Light" pitchFamily="2" charset="0"/>
+            </a:endParaRPr>
           </a:p>
           <a:p>
             <a:pPr marL="0" indent="0">
@@ -8129,16 +8574,9 @@
               </a:lnSpc>
               <a:buNone/>
             </a:pPr>
-            <a:endParaRPr lang="en-US" altLang="zh-CN" sz="1800" dirty="0"/>
-          </a:p>
-          <a:p>
-            <a:pPr marL="0" indent="0">
-              <a:lnSpc>
-                <a:spcPts val="2000"/>
-              </a:lnSpc>
-              <a:buNone/>
-            </a:pPr>
-            <a:endParaRPr lang="zh-CN" altLang="en-US" sz="1800" dirty="0"/>
+            <a:endParaRPr lang="en-US" altLang="zh-CN" sz="2400">
+              <a:latin typeface="Roboto Mono Light" pitchFamily="2" charset="0"/>
+            </a:endParaRPr>
           </a:p>
         </p:txBody>
       </p:sp>
@@ -8226,128 +8664,214 @@
           <a:lstStyle/>
           <a:p>
             <a:r>
-              <a:rPr lang="en-US" altLang="zh-CN" sz="2400" dirty="0" err="1"/>
+              <a:rPr lang="en-US" altLang="zh-CN" sz="2400" dirty="0" err="1">
+                <a:latin typeface="Roboto Mono Light" pitchFamily="2" charset="0"/>
+              </a:rPr>
               <a:t>gcc</a:t>
             </a:r>
             <a:r>
-              <a:rPr lang="zh-CN" altLang="en-US" sz="2400" dirty="0"/>
+              <a:rPr lang="zh-CN" altLang="en-US" sz="2400" dirty="0">
+                <a:latin typeface="Roboto Mono Light" pitchFamily="2" charset="0"/>
+              </a:rPr>
               <a:t>不是一个软件，全名是</a:t>
             </a:r>
             <a:r>
-              <a:rPr lang="en-US" altLang="zh-CN" sz="2400" dirty="0"/>
+              <a:rPr lang="en-US" altLang="zh-CN" sz="2400" dirty="0">
+                <a:latin typeface="Roboto Mono Light" pitchFamily="2" charset="0"/>
+              </a:rPr>
               <a:t>GNU Compiler Collection</a:t>
             </a:r>
             <a:r>
-              <a:rPr lang="zh-CN" altLang="en-US" sz="2400" dirty="0"/>
+              <a:rPr lang="zh-CN" altLang="en-US" sz="2400" dirty="0">
+                <a:latin typeface="Roboto Mono Light" pitchFamily="2" charset="0"/>
+              </a:rPr>
               <a:t>，是一个编译器集合。</a:t>
             </a:r>
-            <a:endParaRPr lang="en-US" altLang="zh-CN" sz="2400" dirty="0"/>
-          </a:p>
-          <a:p>
-            <a:endParaRPr lang="en-US" altLang="zh-CN" sz="2400" dirty="0"/>
-          </a:p>
-          <a:p>
-            <a:r>
-              <a:rPr lang="en-US" altLang="zh-CN" sz="2400" dirty="0" err="1"/>
+            <a:endParaRPr lang="en-US" altLang="zh-CN" sz="2400" dirty="0">
+              <a:latin typeface="Roboto Mono Light" pitchFamily="2" charset="0"/>
+            </a:endParaRPr>
+          </a:p>
+          <a:p>
+            <a:endParaRPr lang="en-US" altLang="zh-CN" sz="2400" dirty="0">
+              <a:latin typeface="Roboto Mono Light" pitchFamily="2" charset="0"/>
+            </a:endParaRPr>
+          </a:p>
+          <a:p>
+            <a:r>
+              <a:rPr lang="en-US" altLang="zh-CN" sz="2400" dirty="0" err="1">
+                <a:latin typeface="Roboto Mono Light" pitchFamily="2" charset="0"/>
+              </a:rPr>
               <a:t>gcc</a:t>
             </a:r>
             <a:r>
-              <a:rPr lang="zh-CN" altLang="en-US" sz="2400" dirty="0"/>
+              <a:rPr lang="zh-CN" altLang="en-US" sz="2400" dirty="0">
+                <a:latin typeface="Roboto Mono Light" pitchFamily="2" charset="0"/>
+              </a:rPr>
               <a:t>支持</a:t>
             </a:r>
             <a:r>
-              <a:rPr lang="en-US" altLang="zh-CN" sz="2400" dirty="0"/>
+              <a:rPr lang="en-US" altLang="zh-CN" sz="2400" dirty="0">
+                <a:latin typeface="Roboto Mono Light" pitchFamily="2" charset="0"/>
+              </a:rPr>
               <a:t>C, C++, Objective-C, Fortran, Ada, Go</a:t>
             </a:r>
             <a:r>
-              <a:rPr lang="zh-CN" altLang="en-US" sz="2400" dirty="0"/>
+              <a:rPr lang="zh-CN" altLang="en-US" sz="2400" dirty="0">
+                <a:latin typeface="Roboto Mono Light" pitchFamily="2" charset="0"/>
+              </a:rPr>
               <a:t>语言的编译。</a:t>
             </a:r>
-            <a:endParaRPr lang="en-US" altLang="zh-CN" sz="2400" dirty="0"/>
-          </a:p>
-          <a:p>
-            <a:endParaRPr lang="en-US" altLang="zh-CN" sz="2400" dirty="0"/>
-          </a:p>
-          <a:p>
-            <a:r>
-              <a:rPr lang="en-US" altLang="zh-CN" sz="2400" dirty="0" err="1"/>
+            <a:endParaRPr lang="en-US" altLang="zh-CN" sz="2400" dirty="0">
+              <a:latin typeface="Roboto Mono Light" pitchFamily="2" charset="0"/>
+            </a:endParaRPr>
+          </a:p>
+          <a:p>
+            <a:endParaRPr lang="en-US" altLang="zh-CN" sz="2400" dirty="0">
+              <a:latin typeface="Roboto Mono Light" pitchFamily="2" charset="0"/>
+            </a:endParaRPr>
+          </a:p>
+          <a:p>
+            <a:r>
+              <a:rPr lang="en-US" altLang="zh-CN" sz="2400" dirty="0" err="1">
+                <a:latin typeface="Roboto Mono Light" pitchFamily="2" charset="0"/>
+              </a:rPr>
               <a:t>gcc</a:t>
             </a:r>
             <a:r>
-              <a:rPr lang="zh-CN" altLang="en-US" sz="2400" dirty="0"/>
+              <a:rPr lang="zh-CN" altLang="en-US" sz="2400" dirty="0">
+                <a:latin typeface="Roboto Mono Light" pitchFamily="2" charset="0"/>
+              </a:rPr>
               <a:t>是</a:t>
             </a:r>
             <a:r>
-              <a:rPr lang="en-US" altLang="zh-CN" sz="2400" dirty="0"/>
+              <a:rPr lang="en-US" altLang="zh-CN" sz="2400" dirty="0">
+                <a:latin typeface="Roboto Mono Light" pitchFamily="2" charset="0"/>
+              </a:rPr>
               <a:t>GNU</a:t>
             </a:r>
             <a:r>
-              <a:rPr lang="zh-CN" altLang="en-US" sz="2400" dirty="0"/>
+              <a:rPr lang="zh-CN" altLang="en-US" sz="2400" dirty="0">
+                <a:latin typeface="Roboto Mono Light" pitchFamily="2" charset="0"/>
+              </a:rPr>
               <a:t>的一个项目，发布于</a:t>
             </a:r>
             <a:r>
-              <a:rPr lang="en-US" altLang="zh-CN" sz="2400" dirty="0"/>
+              <a:rPr lang="en-US" altLang="zh-CN" sz="2400" dirty="0">
+                <a:latin typeface="Roboto Mono Light" pitchFamily="2" charset="0"/>
+              </a:rPr>
               <a:t>GPL</a:t>
             </a:r>
             <a:r>
-              <a:rPr lang="zh-CN" altLang="en-US" sz="2400" dirty="0"/>
+              <a:rPr lang="zh-CN" altLang="en-US" sz="2400" dirty="0">
+                <a:latin typeface="Roboto Mono Light" pitchFamily="2" charset="0"/>
+              </a:rPr>
               <a:t>开源协议。</a:t>
             </a:r>
-            <a:endParaRPr lang="en-US" altLang="zh-CN" sz="2400" dirty="0"/>
-          </a:p>
-          <a:p>
-            <a:endParaRPr lang="en-US" altLang="zh-CN" sz="2400" dirty="0"/>
-          </a:p>
-          <a:p>
-            <a:r>
-              <a:rPr lang="en-US" altLang="zh-CN" sz="2400" dirty="0"/>
-              <a:t>Ubuntu/Debian</a:t>
-            </a:r>
-            <a:r>
-              <a:rPr lang="zh-CN" altLang="en-US" sz="2400" dirty="0"/>
-              <a:t>上一般都自带</a:t>
-            </a:r>
-            <a:r>
-              <a:rPr lang="en-US" altLang="zh-CN" sz="2400" dirty="0" err="1"/>
+            <a:endParaRPr lang="en-US" altLang="zh-CN" sz="2400" dirty="0">
+              <a:latin typeface="Roboto Mono Light" pitchFamily="2" charset="0"/>
+            </a:endParaRPr>
+          </a:p>
+          <a:p>
+            <a:endParaRPr lang="en-US" altLang="zh-CN" sz="2400" dirty="0">
+              <a:latin typeface="Roboto Mono Light" pitchFamily="2" charset="0"/>
+            </a:endParaRPr>
+          </a:p>
+          <a:p>
+            <a:r>
+              <a:rPr lang="en-US" altLang="zh-CN" sz="2400">
+                <a:latin typeface="Roboto Mono Light" pitchFamily="2" charset="0"/>
+              </a:rPr>
+              <a:t>UbuntuServer</a:t>
+            </a:r>
+            <a:r>
+              <a:rPr lang="zh-CN" altLang="en-US" sz="2400">
+                <a:latin typeface="Roboto Mono Light" pitchFamily="2" charset="0"/>
+              </a:rPr>
+              <a:t>版本都</a:t>
+            </a:r>
+            <a:r>
+              <a:rPr lang="zh-CN" altLang="en-US" sz="2400" dirty="0">
+                <a:latin typeface="Roboto Mono Light" pitchFamily="2" charset="0"/>
+              </a:rPr>
+              <a:t>自带</a:t>
+            </a:r>
+            <a:r>
+              <a:rPr lang="en-US" altLang="zh-CN" sz="2400" dirty="0" err="1">
+                <a:latin typeface="Roboto Mono Light" pitchFamily="2" charset="0"/>
+              </a:rPr>
               <a:t>gcc</a:t>
             </a:r>
             <a:r>
-              <a:rPr lang="zh-CN" altLang="en-US" sz="2400" dirty="0"/>
-              <a:t>，如果没有则运行</a:t>
-            </a:r>
-            <a:r>
-              <a:rPr lang="en-US" altLang="zh-CN" sz="2400" dirty="0" err="1"/>
-              <a:t>sudo</a:t>
-            </a:r>
-            <a:r>
-              <a:rPr lang="en-US" altLang="zh-CN" sz="2400" dirty="0"/>
-              <a:t> apt install </a:t>
-            </a:r>
-            <a:r>
-              <a:rPr lang="en-US" altLang="zh-CN" sz="2400" dirty="0" err="1"/>
+              <a:rPr lang="zh-CN" altLang="en-US" sz="2400" dirty="0">
+                <a:latin typeface="Roboto Mono Light" pitchFamily="2" charset="0"/>
+              </a:rPr>
+              <a:t>，如果没有</a:t>
+            </a:r>
+            <a:r>
+              <a:rPr lang="zh-CN" altLang="en-US" sz="2400">
+                <a:latin typeface="Roboto Mono Light" pitchFamily="2" charset="0"/>
+              </a:rPr>
+              <a:t>则运行：</a:t>
+            </a:r>
+            <a:endParaRPr lang="en-US" altLang="zh-CN" sz="2400">
+              <a:latin typeface="Roboto Mono Light" pitchFamily="2" charset="0"/>
+            </a:endParaRPr>
+          </a:p>
+          <a:p>
+            <a:pPr marL="457200" lvl="1" indent="0">
+              <a:buNone/>
+            </a:pPr>
+            <a:r>
+              <a:rPr lang="en-US" altLang="zh-CN">
+                <a:latin typeface="Roboto Mono Light" pitchFamily="2" charset="0"/>
+              </a:rPr>
+              <a:t>sudo apt update ; sudo </a:t>
+            </a:r>
+            <a:r>
+              <a:rPr lang="en-US" altLang="zh-CN" dirty="0">
+                <a:latin typeface="Roboto Mono Light" pitchFamily="2" charset="0"/>
+              </a:rPr>
+              <a:t>apt install </a:t>
+            </a:r>
+            <a:r>
+              <a:rPr lang="en-US" altLang="zh-CN" dirty="0" err="1">
+                <a:latin typeface="Roboto Mono Light" pitchFamily="2" charset="0"/>
+              </a:rPr>
               <a:t>gcc</a:t>
             </a:r>
             <a:r>
-              <a:rPr lang="zh-CN" altLang="en-US" sz="2400" dirty="0"/>
+              <a:rPr lang="zh-CN" altLang="en-US" dirty="0">
+                <a:latin typeface="Roboto Mono Light" pitchFamily="2" charset="0"/>
+              </a:rPr>
               <a:t>。</a:t>
             </a:r>
-            <a:endParaRPr lang="en-US" altLang="zh-CN" sz="2400" dirty="0"/>
-          </a:p>
-          <a:p>
-            <a:endParaRPr lang="en-US" altLang="zh-CN" sz="2400" dirty="0"/>
-          </a:p>
-          <a:p>
-            <a:r>
-              <a:rPr lang="zh-CN" altLang="en-US" sz="2400" dirty="0"/>
+            <a:endParaRPr lang="en-US" altLang="zh-CN" dirty="0">
+              <a:latin typeface="Roboto Mono Light" pitchFamily="2" charset="0"/>
+            </a:endParaRPr>
+          </a:p>
+          <a:p>
+            <a:endParaRPr lang="en-US" altLang="zh-CN" sz="2400" dirty="0">
+              <a:latin typeface="Roboto Mono Light" pitchFamily="2" charset="0"/>
+            </a:endParaRPr>
+          </a:p>
+          <a:p>
+            <a:r>
+              <a:rPr lang="zh-CN" altLang="en-US" sz="2400" dirty="0">
+                <a:latin typeface="Roboto Mono Light" pitchFamily="2" charset="0"/>
+              </a:rPr>
               <a:t>官网：</a:t>
             </a:r>
             <a:r>
-              <a:rPr lang="en-US" altLang="zh-CN" sz="2400" dirty="0"/>
+              <a:rPr lang="en-US" altLang="zh-CN" sz="2400" dirty="0">
+                <a:latin typeface="Roboto Mono Light" pitchFamily="2" charset="0"/>
+              </a:rPr>
               <a:t>https://gcc.gnu.org/</a:t>
             </a:r>
           </a:p>
           <a:p>
-            <a:endParaRPr lang="en-US" altLang="zh-CN" sz="2000" dirty="0"/>
+            <a:endParaRPr lang="en-US" altLang="zh-CN" sz="2000" dirty="0">
+              <a:latin typeface="Roboto Mono Light" pitchFamily="2" charset="0"/>
+            </a:endParaRPr>
           </a:p>
         </p:txBody>
       </p:sp>
@@ -8540,15 +9064,23 @@
             </a:r>
             <a:r>
               <a:rPr lang="en-US" altLang="zh-CN" sz="2400" dirty="0" err="1"/>
-              <a:t>test.c</a:t>
-            </a:r>
-            <a:r>
-              <a:rPr lang="en-US" altLang="zh-CN" sz="2400" dirty="0"/>
+              <a:t>test.</a:t>
+            </a:r>
+            <a:r>
+              <a:rPr lang="en-US" altLang="zh-CN" sz="2400" err="1"/>
+              <a:t>c</a:t>
+            </a:r>
+            <a:r>
+              <a:rPr lang="en-US" altLang="zh-CN" sz="2400"/>
               <a:t> </a:t>
             </a:r>
             <a:r>
+              <a:rPr lang="zh-CN" altLang="en-US" sz="2400"/>
+              <a:t>：编译</a:t>
+            </a:r>
+            <a:r>
               <a:rPr lang="zh-CN" altLang="en-US" sz="2400" dirty="0"/>
-              <a:t>编译后的文件是</a:t>
+              <a:t>后的文件是</a:t>
             </a:r>
             <a:r>
               <a:rPr lang="en-US" altLang="zh-CN" sz="2400" dirty="0"/>
@@ -8680,8 +9212,80 @@
               <a:t>ELF</a:t>
             </a:r>
             <a:r>
+              <a:rPr lang="zh-CN" altLang="en-US" sz="2400"/>
+              <a:t>格式的。</a:t>
+            </a:r>
+            <a:endParaRPr lang="en-US" altLang="zh-CN" sz="2400" dirty="0"/>
+          </a:p>
+          <a:p>
+            <a:endParaRPr lang="en-US" altLang="zh-CN" sz="2400"/>
+          </a:p>
+          <a:p>
+            <a:r>
+              <a:rPr lang="zh-CN" altLang="en-US" sz="2400"/>
+              <a:t>而</a:t>
+            </a:r>
+            <a:r>
               <a:rPr lang="zh-CN" altLang="en-US" sz="2400" dirty="0"/>
-              <a:t>格式的，在</a:t>
+              <a:t>扩展名和文件类型并没有关系，</a:t>
+            </a:r>
+            <a:r>
+              <a:rPr lang="en-US" altLang="zh-CN" sz="2400" dirty="0"/>
+              <a:t>Windows</a:t>
+            </a:r>
+            <a:r>
+              <a:rPr lang="zh-CN" altLang="en-US" sz="2400" dirty="0"/>
+              <a:t>是设计必须使用扩展名和对应的运行程序去</a:t>
+            </a:r>
+            <a:r>
+              <a:rPr lang="zh-CN" altLang="en-US" sz="2400"/>
+              <a:t>关联。</a:t>
+            </a:r>
+            <a:r>
+              <a:rPr lang="en-US" altLang="zh-CN" sz="2400"/>
+              <a:t>Windows</a:t>
+            </a:r>
+            <a:r>
+              <a:rPr lang="zh-CN" altLang="en-US" sz="2400" dirty="0"/>
+              <a:t>上采用的</a:t>
+            </a:r>
+            <a:r>
+              <a:rPr lang="en-US" altLang="zh-CN" sz="2400" dirty="0"/>
+              <a:t>PE</a:t>
+            </a:r>
+            <a:r>
+              <a:rPr lang="zh-CN" altLang="en-US" sz="2400" dirty="0"/>
+              <a:t>格式作为可执行</a:t>
+            </a:r>
+            <a:r>
+              <a:rPr lang="zh-CN" altLang="en-US" sz="2400"/>
+              <a:t>文件格式，</a:t>
+            </a:r>
+            <a:r>
+              <a:rPr lang="en-US" altLang="zh-CN" sz="2400"/>
+              <a:t>.exe</a:t>
+            </a:r>
+            <a:r>
+              <a:rPr lang="zh-CN" altLang="en-US" sz="2400"/>
+              <a:t>是</a:t>
+            </a:r>
+            <a:r>
+              <a:rPr lang="en-US" altLang="zh-CN" sz="2400"/>
+              <a:t>Windows</a:t>
+            </a:r>
+            <a:r>
+              <a:rPr lang="zh-CN" altLang="en-US" sz="2400"/>
+              <a:t>上的可执行文件的扩展名。</a:t>
+            </a:r>
+            <a:endParaRPr lang="en-US" altLang="zh-CN" sz="2400" dirty="0"/>
+          </a:p>
+          <a:p>
+            <a:endParaRPr lang="en-US" altLang="zh-CN" sz="2400" dirty="0"/>
+          </a:p>
+          <a:p>
+            <a:r>
+              <a:rPr lang="zh-CN" altLang="en-US" sz="2400" dirty="0"/>
+              <a:t>在</a:t>
             </a:r>
             <a:r>
               <a:rPr lang="en-US" altLang="zh-CN" sz="2400" dirty="0"/>
@@ -8689,95 +9293,58 @@
             </a:r>
             <a:r>
               <a:rPr lang="zh-CN" altLang="en-US" sz="2400" dirty="0"/>
-              <a:t>上是不用扩展名去区分文件类型的，这点和</a:t>
-            </a:r>
-            <a:r>
-              <a:rPr lang="en-US" altLang="zh-CN" sz="2400" dirty="0"/>
-              <a:t>Windows</a:t>
+              <a:t>上</a:t>
+            </a:r>
+            <a:r>
+              <a:rPr lang="zh-CN" altLang="en-US" sz="2400"/>
+              <a:t>采用的</a:t>
+            </a:r>
+            <a:r>
+              <a:rPr lang="en-US" altLang="zh-CN" sz="2400"/>
+              <a:t>ELF</a:t>
+            </a:r>
+            <a:r>
+              <a:rPr lang="zh-CN" altLang="en-US" sz="2400"/>
+              <a:t>格式不必</a:t>
             </a:r>
             <a:r>
               <a:rPr lang="zh-CN" altLang="en-US" sz="2400" dirty="0"/>
-              <a:t>不同。</a:t>
-            </a:r>
-            <a:endParaRPr lang="en-US" altLang="zh-CN" sz="2400" dirty="0"/>
-          </a:p>
-          <a:p>
-            <a:endParaRPr lang="en-US" altLang="zh-CN" sz="2400" dirty="0"/>
-          </a:p>
-          <a:p>
-            <a:r>
-              <a:rPr lang="zh-CN" altLang="en-US" sz="2400" dirty="0"/>
-              <a:t>而扩展名和文件类型并没有关系，</a:t>
-            </a:r>
-            <a:r>
-              <a:rPr lang="en-US" altLang="zh-CN" sz="2400" dirty="0"/>
-              <a:t>Windows</a:t>
-            </a:r>
-            <a:r>
-              <a:rPr lang="zh-CN" altLang="en-US" sz="2400" dirty="0"/>
-              <a:t>是设计必须使用扩展名和对应的运行程序去关联。</a:t>
-            </a:r>
-            <a:r>
-              <a:rPr lang="en-US" altLang="zh-CN" sz="2400" dirty="0"/>
-              <a:t>.exe</a:t>
-            </a:r>
-            <a:r>
-              <a:rPr lang="zh-CN" altLang="en-US" sz="2400" dirty="0"/>
-              <a:t>是</a:t>
-            </a:r>
-            <a:r>
-              <a:rPr lang="en-US" altLang="zh-CN" sz="2400" dirty="0"/>
-              <a:t>Windows</a:t>
-            </a:r>
-            <a:r>
-              <a:rPr lang="zh-CN" altLang="en-US" sz="2400" dirty="0"/>
-              <a:t>上的可执行文件的扩展名。</a:t>
-            </a:r>
-            <a:r>
-              <a:rPr lang="en-US" altLang="zh-CN" sz="2400" dirty="0"/>
-              <a:t>Windows</a:t>
-            </a:r>
-            <a:r>
-              <a:rPr lang="zh-CN" altLang="en-US" sz="2400" dirty="0"/>
-              <a:t>上采用的</a:t>
-            </a:r>
-            <a:r>
-              <a:rPr lang="en-US" altLang="zh-CN" sz="2400" dirty="0"/>
-              <a:t>PE</a:t>
-            </a:r>
-            <a:r>
-              <a:rPr lang="zh-CN" altLang="en-US" sz="2400" dirty="0"/>
-              <a:t>格式作为可执行文件格式。</a:t>
-            </a:r>
-            <a:endParaRPr lang="en-US" altLang="zh-CN" sz="2400" dirty="0"/>
-          </a:p>
-          <a:p>
-            <a:endParaRPr lang="en-US" altLang="zh-CN" sz="2400" dirty="0"/>
-          </a:p>
-          <a:p>
-            <a:r>
-              <a:rPr lang="zh-CN" altLang="en-US" sz="2400" dirty="0"/>
-              <a:t>在</a:t>
-            </a:r>
-            <a:r>
-              <a:rPr lang="en-US" altLang="zh-CN" sz="2400" dirty="0"/>
-              <a:t>Linux</a:t>
-            </a:r>
-            <a:r>
-              <a:rPr lang="zh-CN" altLang="en-US" sz="2400" dirty="0"/>
-              <a:t>上采用的格式是</a:t>
-            </a:r>
-            <a:r>
-              <a:rPr lang="en-US" altLang="zh-CN" sz="2400" dirty="0"/>
+              <a:t>在文件名中体现</a:t>
+            </a:r>
+            <a:r>
+              <a:rPr lang="zh-CN" altLang="en-US" sz="2400"/>
+              <a:t>出来。但是如果使用</a:t>
+            </a:r>
+            <a:r>
+              <a:rPr lang="en-US" altLang="zh-CN" sz="2400"/>
+              <a:t>vim</a:t>
+            </a:r>
+            <a:r>
+              <a:rPr lang="zh-CN" altLang="en-US" sz="2400"/>
+              <a:t>打开编译后的文件，在最开始会看到</a:t>
+            </a:r>
+            <a:r>
+              <a:rPr lang="en-US" altLang="zh-CN" sz="2400"/>
               <a:t>ELF</a:t>
             </a:r>
             <a:r>
-              <a:rPr lang="zh-CN" altLang="en-US" sz="2400" dirty="0"/>
-              <a:t>，但是不必在文件名中体现出来。</a:t>
-            </a:r>
-            <a:endParaRPr lang="en-US" altLang="zh-CN" sz="2400" dirty="0"/>
-          </a:p>
-          <a:p>
+              <a:rPr lang="zh-CN" altLang="en-US" sz="2400"/>
+              <a:t>三个字符表明是</a:t>
+            </a:r>
+            <a:r>
+              <a:rPr lang="en-US" altLang="zh-CN" sz="2400"/>
+              <a:t>ELF</a:t>
+            </a:r>
+            <a:r>
+              <a:rPr lang="zh-CN" altLang="en-US" sz="2400"/>
+              <a:t>文件。</a:t>
+            </a:r>
+            <a:endParaRPr lang="en-US" altLang="zh-CN" sz="2400"/>
+          </a:p>
+          <a:p>
+            <a:pPr marL="0" indent="0">
+              <a:buNone/>
+            </a:pPr>
             <a:endParaRPr lang="en-US" altLang="zh-CN" sz="2400" dirty="0"/>
           </a:p>
           <a:p>
@@ -8896,123 +9463,254 @@
           <a:lstStyle/>
           <a:p>
             <a:r>
-              <a:rPr lang="en-US" altLang="zh-CN" sz="2400" dirty="0" err="1"/>
+              <a:rPr lang="en-US" altLang="zh-CN" sz="2400" dirty="0" err="1">
+                <a:latin typeface="Roboto Mono Light" pitchFamily="2" charset="0"/>
+              </a:rPr>
               <a:t>glibc</a:t>
             </a:r>
             <a:r>
-              <a:rPr lang="zh-CN" altLang="en-US" sz="2400" dirty="0"/>
+              <a:rPr lang="zh-CN" altLang="en-US" sz="2400" dirty="0">
+                <a:latin typeface="Roboto Mono Light" pitchFamily="2" charset="0"/>
+              </a:rPr>
               <a:t>是</a:t>
             </a:r>
             <a:r>
-              <a:rPr lang="en-US" altLang="zh-CN" sz="2400" dirty="0"/>
+              <a:rPr lang="en-US" altLang="zh-CN" sz="2400" dirty="0">
+                <a:latin typeface="Roboto Mono Light" pitchFamily="2" charset="0"/>
+              </a:rPr>
               <a:t>Linux</a:t>
             </a:r>
             <a:r>
-              <a:rPr lang="zh-CN" altLang="en-US" sz="2400" dirty="0"/>
+              <a:rPr lang="zh-CN" altLang="en-US" sz="2400" dirty="0">
+                <a:latin typeface="Roboto Mono Light" pitchFamily="2" charset="0"/>
+              </a:rPr>
               <a:t>上标准</a:t>
             </a:r>
             <a:r>
-              <a:rPr lang="en-US" altLang="zh-CN" sz="2400" dirty="0"/>
+              <a:rPr lang="en-US" altLang="zh-CN" sz="2400">
+                <a:latin typeface="Roboto Mono Light" pitchFamily="2" charset="0"/>
+              </a:rPr>
               <a:t>C</a:t>
             </a:r>
             <a:r>
-              <a:rPr lang="zh-CN" altLang="en-US" sz="2400" dirty="0"/>
-              <a:t>的实现。</a:t>
-            </a:r>
-            <a:endParaRPr lang="en-US" altLang="zh-CN" sz="2400" dirty="0"/>
-          </a:p>
-          <a:p>
-            <a:endParaRPr lang="en-US" altLang="zh-CN" sz="2400" dirty="0"/>
-          </a:p>
-          <a:p>
-            <a:r>
-              <a:rPr lang="en-US" altLang="zh-CN" sz="2400" dirty="0"/>
+              <a:rPr lang="zh-CN" altLang="en-US" sz="2400">
+                <a:latin typeface="Roboto Mono Light" pitchFamily="2" charset="0"/>
+              </a:rPr>
+              <a:t>的函数库实现</a:t>
+            </a:r>
+            <a:r>
+              <a:rPr lang="zh-CN" altLang="en-US" sz="2400" dirty="0">
+                <a:latin typeface="Roboto Mono Light" pitchFamily="2" charset="0"/>
+              </a:rPr>
+              <a:t>。</a:t>
+            </a:r>
+            <a:endParaRPr lang="en-US" altLang="zh-CN" sz="2400" dirty="0">
+              <a:latin typeface="Roboto Mono Light" pitchFamily="2" charset="0"/>
+            </a:endParaRPr>
+          </a:p>
+          <a:p>
+            <a:endParaRPr lang="en-US" altLang="zh-CN" sz="2400" dirty="0">
+              <a:latin typeface="Roboto Mono Light" pitchFamily="2" charset="0"/>
+            </a:endParaRPr>
+          </a:p>
+          <a:p>
+            <a:r>
+              <a:rPr lang="en-US" altLang="zh-CN" sz="2400" dirty="0">
+                <a:latin typeface="Roboto Mono Light" pitchFamily="2" charset="0"/>
+              </a:rPr>
               <a:t>.so</a:t>
             </a:r>
             <a:r>
-              <a:rPr lang="zh-CN" altLang="en-US" sz="2400" dirty="0"/>
+              <a:rPr lang="zh-CN" altLang="en-US" sz="2400" dirty="0">
+                <a:latin typeface="Roboto Mono Light" pitchFamily="2" charset="0"/>
+              </a:rPr>
               <a:t>文件是</a:t>
             </a:r>
             <a:r>
-              <a:rPr lang="en-US" altLang="zh-CN" sz="2400" dirty="0"/>
+              <a:rPr lang="en-US" altLang="zh-CN" sz="2400" dirty="0">
+                <a:latin typeface="Roboto Mono Light" pitchFamily="2" charset="0"/>
+              </a:rPr>
               <a:t>Linux</a:t>
             </a:r>
             <a:r>
-              <a:rPr lang="zh-CN" altLang="en-US" sz="2400" dirty="0"/>
+              <a:rPr lang="zh-CN" altLang="en-US" sz="2400" dirty="0">
+                <a:latin typeface="Roboto Mono Light" pitchFamily="2" charset="0"/>
+              </a:rPr>
               <a:t>上的共享库文件，相当于</a:t>
             </a:r>
             <a:r>
-              <a:rPr lang="en-US" altLang="zh-CN" sz="2400" dirty="0"/>
+              <a:rPr lang="en-US" altLang="zh-CN" sz="2400" dirty="0">
+                <a:latin typeface="Roboto Mono Light" pitchFamily="2" charset="0"/>
+              </a:rPr>
               <a:t>Windows</a:t>
             </a:r>
             <a:r>
-              <a:rPr lang="zh-CN" altLang="en-US" sz="2400" dirty="0"/>
+              <a:rPr lang="zh-CN" altLang="en-US" sz="2400">
+                <a:latin typeface="Roboto Mono Light" pitchFamily="2" charset="0"/>
+              </a:rPr>
               <a:t>上的</a:t>
             </a:r>
             <a:r>
-              <a:rPr lang="en-US" altLang="zh-CN" sz="2400" dirty="0" err="1"/>
-              <a:t>dll</a:t>
-            </a:r>
-            <a:r>
-              <a:rPr lang="zh-CN" altLang="en-US" sz="2400" dirty="0"/>
+              <a:rPr lang="en-US" altLang="zh-CN" sz="2400">
+                <a:latin typeface="Roboto Mono Light" pitchFamily="2" charset="0"/>
+              </a:rPr>
+              <a:t>.dll</a:t>
+            </a:r>
+            <a:r>
+              <a:rPr lang="zh-CN" altLang="en-US" sz="2400" dirty="0">
+                <a:latin typeface="Roboto Mono Light" pitchFamily="2" charset="0"/>
+              </a:rPr>
               <a:t>文件。</a:t>
             </a:r>
-            <a:endParaRPr lang="en-US" altLang="zh-CN" sz="2400" dirty="0"/>
-          </a:p>
-          <a:p>
-            <a:endParaRPr lang="en-US" altLang="zh-CN" sz="2400" dirty="0"/>
-          </a:p>
-          <a:p>
-            <a:r>
-              <a:rPr lang="en-US" altLang="zh-CN" sz="2400" dirty="0" err="1"/>
+            <a:endParaRPr lang="en-US" altLang="zh-CN" sz="2400" dirty="0">
+              <a:latin typeface="Roboto Mono Light" pitchFamily="2" charset="0"/>
+            </a:endParaRPr>
+          </a:p>
+          <a:p>
+            <a:endParaRPr lang="en-US" altLang="zh-CN" sz="2400" dirty="0">
+              <a:latin typeface="Roboto Mono Light" pitchFamily="2" charset="0"/>
+            </a:endParaRPr>
+          </a:p>
+          <a:p>
+            <a:r>
+              <a:rPr lang="en-US" altLang="zh-CN" sz="2400" dirty="0" err="1">
+                <a:latin typeface="Roboto Mono Light" pitchFamily="2" charset="0"/>
+              </a:rPr>
               <a:t>glibc</a:t>
             </a:r>
             <a:r>
-              <a:rPr lang="zh-CN" altLang="en-US" sz="2400" dirty="0"/>
+              <a:rPr lang="zh-CN" altLang="en-US" sz="2400" dirty="0">
+                <a:latin typeface="Roboto Mono Light" pitchFamily="2" charset="0"/>
+              </a:rPr>
               <a:t>的实现库文件是</a:t>
             </a:r>
             <a:r>
-              <a:rPr lang="en-US" altLang="zh-CN" sz="2400" dirty="0"/>
+              <a:rPr lang="en-US" altLang="zh-CN" sz="2400" dirty="0">
+                <a:latin typeface="Roboto Mono Light" pitchFamily="2" charset="0"/>
+              </a:rPr>
               <a:t>/lib/x86_64-linux-gnu/libc.so.6</a:t>
             </a:r>
             <a:r>
-              <a:rPr lang="zh-CN" altLang="en-US" sz="2400" dirty="0"/>
+              <a:rPr lang="zh-CN" altLang="en-US" sz="2400" dirty="0">
+                <a:latin typeface="Roboto Mono Light" pitchFamily="2" charset="0"/>
+              </a:rPr>
               <a:t>链接到</a:t>
             </a:r>
             <a:r>
-              <a:rPr lang="en-US" altLang="zh-CN" sz="2400" dirty="0"/>
-              <a:t>/lib/x86_64-linux-gnu/libc-2.23.so</a:t>
-            </a:r>
-          </a:p>
-          <a:p>
-            <a:endParaRPr lang="en-US" altLang="zh-CN" sz="2400" dirty="0"/>
-          </a:p>
-          <a:p>
-            <a:r>
-              <a:rPr lang="en-US" altLang="zh-CN" sz="2400" dirty="0" err="1"/>
+              <a:rPr lang="en-US" altLang="zh-CN" sz="2400" dirty="0">
+                <a:latin typeface="Roboto Mono Light" pitchFamily="2" charset="0"/>
+              </a:rPr>
+              <a:t>/lib/x86_64-linux-gnu</a:t>
+            </a:r>
+            <a:r>
+              <a:rPr lang="en-US" altLang="zh-CN" sz="2400">
+                <a:latin typeface="Roboto Mono Light" pitchFamily="2" charset="0"/>
+              </a:rPr>
+              <a:t>/libc-***.so</a:t>
+            </a:r>
+            <a:r>
+              <a:rPr lang="zh-CN" altLang="en-US" sz="2400">
+                <a:latin typeface="Roboto Mono Light" pitchFamily="2" charset="0"/>
+              </a:rPr>
+              <a:t>；星号表示版本，比如，在</a:t>
+            </a:r>
+            <a:r>
+              <a:rPr lang="en-US" altLang="zh-CN" sz="2400">
+                <a:latin typeface="Roboto Mono Light" pitchFamily="2" charset="0"/>
+              </a:rPr>
+              <a:t>UbuntuServer16.04</a:t>
+            </a:r>
+            <a:r>
+              <a:rPr lang="zh-CN" altLang="en-US" sz="2400">
+                <a:latin typeface="Roboto Mono Light" pitchFamily="2" charset="0"/>
+              </a:rPr>
+              <a:t>上是</a:t>
+            </a:r>
+            <a:r>
+              <a:rPr lang="en-US" altLang="zh-CN" sz="2400">
+                <a:latin typeface="Roboto Mono Light" pitchFamily="2" charset="0"/>
+              </a:rPr>
+              <a:t>2.23</a:t>
+            </a:r>
+            <a:r>
+              <a:rPr lang="zh-CN" altLang="en-US" sz="2400">
+                <a:latin typeface="Roboto Mono Light" pitchFamily="2" charset="0"/>
+              </a:rPr>
+              <a:t>，</a:t>
+            </a:r>
+            <a:r>
+              <a:rPr lang="en-US" altLang="zh-CN" sz="2400">
+                <a:latin typeface="Roboto Mono Light" pitchFamily="2" charset="0"/>
+              </a:rPr>
+              <a:t>UbuntuServer18.04</a:t>
+            </a:r>
+            <a:r>
+              <a:rPr lang="zh-CN" altLang="en-US" sz="2400">
+                <a:latin typeface="Roboto Mono Light" pitchFamily="2" charset="0"/>
+              </a:rPr>
+              <a:t>上是</a:t>
+            </a:r>
+            <a:r>
+              <a:rPr lang="en-US" altLang="zh-CN" sz="2400">
+                <a:latin typeface="Roboto Mono Light" pitchFamily="2" charset="0"/>
+              </a:rPr>
+              <a:t>2.27</a:t>
+            </a:r>
+            <a:r>
+              <a:rPr lang="zh-CN" altLang="en-US" sz="2400">
+                <a:latin typeface="Roboto Mono Light" pitchFamily="2" charset="0"/>
+              </a:rPr>
+              <a:t>。</a:t>
+            </a:r>
+            <a:endParaRPr lang="en-US" altLang="zh-CN" sz="2400" dirty="0">
+              <a:latin typeface="Roboto Mono Light" pitchFamily="2" charset="0"/>
+            </a:endParaRPr>
+          </a:p>
+          <a:p>
+            <a:endParaRPr lang="en-US" altLang="zh-CN" sz="2400" dirty="0">
+              <a:latin typeface="Roboto Mono Light" pitchFamily="2" charset="0"/>
+            </a:endParaRPr>
+          </a:p>
+          <a:p>
+            <a:r>
+              <a:rPr lang="en-US" altLang="zh-CN" sz="2400" dirty="0" err="1">
+                <a:latin typeface="Roboto Mono Light" pitchFamily="2" charset="0"/>
+              </a:rPr>
               <a:t>gcc</a:t>
             </a:r>
             <a:r>
-              <a:rPr lang="zh-CN" altLang="en-US" sz="2400" dirty="0"/>
+              <a:rPr lang="zh-CN" altLang="en-US" sz="2400" dirty="0">
+                <a:latin typeface="Roboto Mono Light" pitchFamily="2" charset="0"/>
+              </a:rPr>
               <a:t>在编译</a:t>
             </a:r>
             <a:r>
-              <a:rPr lang="en-US" altLang="zh-CN" sz="2400" dirty="0"/>
+              <a:rPr lang="en-US" altLang="zh-CN" sz="2400" dirty="0">
+                <a:latin typeface="Roboto Mono Light" pitchFamily="2" charset="0"/>
+              </a:rPr>
               <a:t>C</a:t>
             </a:r>
             <a:r>
-              <a:rPr lang="zh-CN" altLang="en-US" sz="2400" dirty="0"/>
+              <a:rPr lang="zh-CN" altLang="en-US" sz="2400" dirty="0">
+                <a:latin typeface="Roboto Mono Light" pitchFamily="2" charset="0"/>
+              </a:rPr>
               <a:t>语言代码的时候要用到</a:t>
             </a:r>
             <a:r>
-              <a:rPr lang="en-US" altLang="zh-CN" sz="2400" dirty="0" err="1"/>
+              <a:rPr lang="en-US" altLang="zh-CN" sz="2400" dirty="0" err="1">
+                <a:latin typeface="Roboto Mono Light" pitchFamily="2" charset="0"/>
+              </a:rPr>
               <a:t>glibc</a:t>
             </a:r>
             <a:r>
-              <a:rPr lang="zh-CN" altLang="en-US" sz="2400" dirty="0"/>
+              <a:rPr lang="zh-CN" altLang="en-US" sz="2400" dirty="0">
+                <a:latin typeface="Roboto Mono Light" pitchFamily="2" charset="0"/>
+              </a:rPr>
               <a:t>。</a:t>
             </a:r>
-            <a:endParaRPr lang="en-US" altLang="zh-CN" sz="2400" dirty="0"/>
+            <a:endParaRPr lang="en-US" altLang="zh-CN" sz="2400" dirty="0">
+              <a:latin typeface="Roboto Mono Light" pitchFamily="2" charset="0"/>
+            </a:endParaRPr>
           </a:p>
         </p:txBody>
       </p:sp>
@@ -9073,7 +9771,7 @@
             </a:r>
             <a:r>
               <a:rPr lang="zh-CN" altLang="en-US"/>
-              <a:t>函数的参数</a:t>
+              <a:t>函数的参数和返回值</a:t>
             </a:r>
             <a:endParaRPr lang="zh-CN" altLang="en-US" dirty="0"/>
           </a:p>
@@ -9102,7 +9800,139 @@
           </a:bodyPr>
           <a:lstStyle/>
           <a:p>
-            <a:endParaRPr lang="en-US" altLang="zh-CN" sz="2400" dirty="0"/>
+            <a:pPr marL="0" indent="0">
+              <a:buNone/>
+            </a:pPr>
+            <a:r>
+              <a:rPr lang="en-US" altLang="zh-CN" sz="2400">
+                <a:latin typeface="Roboto Mono Light" pitchFamily="2" charset="0"/>
+              </a:rPr>
+              <a:t>int main (int argc, char* argv[]) {</a:t>
+            </a:r>
+          </a:p>
+          <a:p>
+            <a:pPr marL="0" indent="0">
+              <a:buNone/>
+            </a:pPr>
+            <a:r>
+              <a:rPr lang="en-US" altLang="zh-CN" sz="2400">
+                <a:latin typeface="Roboto Mono Light" pitchFamily="2" charset="0"/>
+              </a:rPr>
+              <a:t>    /*</a:t>
+            </a:r>
+          </a:p>
+          <a:p>
+            <a:pPr marL="0" indent="0">
+              <a:buNone/>
+            </a:pPr>
+            <a:r>
+              <a:rPr lang="en-US" altLang="zh-CN" sz="2400">
+                <a:latin typeface="Roboto Mono Light" pitchFamily="2" charset="0"/>
+              </a:rPr>
+              <a:t>      ……</a:t>
+            </a:r>
+          </a:p>
+          <a:p>
+            <a:pPr marL="0" indent="0">
+              <a:buNone/>
+            </a:pPr>
+            <a:r>
+              <a:rPr lang="en-US" altLang="zh-CN" sz="2400">
+                <a:latin typeface="Roboto Mono Light" pitchFamily="2" charset="0"/>
+              </a:rPr>
+              <a:t>      …… //something code</a:t>
+            </a:r>
+          </a:p>
+          <a:p>
+            <a:pPr marL="0" indent="0">
+              <a:buNone/>
+            </a:pPr>
+            <a:r>
+              <a:rPr lang="en-US" altLang="zh-CN" sz="2400">
+                <a:latin typeface="Roboto Mono Light" pitchFamily="2" charset="0"/>
+              </a:rPr>
+              <a:t>    */</a:t>
+            </a:r>
+          </a:p>
+          <a:p>
+            <a:pPr marL="0" indent="0">
+              <a:buNone/>
+            </a:pPr>
+            <a:r>
+              <a:rPr lang="en-US" altLang="zh-CN" sz="2400">
+                <a:latin typeface="Roboto Mono Light" pitchFamily="2" charset="0"/>
+              </a:rPr>
+              <a:t>    return 0;</a:t>
+            </a:r>
+          </a:p>
+          <a:p>
+            <a:pPr marL="0" indent="0">
+              <a:buNone/>
+            </a:pPr>
+            <a:r>
+              <a:rPr lang="en-US" altLang="zh-CN" sz="2400">
+                <a:latin typeface="Roboto Mono Light" pitchFamily="2" charset="0"/>
+              </a:rPr>
+              <a:t>}</a:t>
+            </a:r>
+          </a:p>
+          <a:p>
+            <a:r>
+              <a:rPr lang="en-US" altLang="zh-CN" sz="2400">
+                <a:latin typeface="Roboto Mono Light" pitchFamily="2" charset="0"/>
+              </a:rPr>
+              <a:t>main</a:t>
+            </a:r>
+            <a:r>
+              <a:rPr lang="zh-CN" altLang="en-US" sz="2400">
+                <a:latin typeface="Roboto Mono Light" pitchFamily="2" charset="0"/>
+              </a:rPr>
+              <a:t>函数的返回值是程序的退出状态表示程序是否正确执行。</a:t>
+            </a:r>
+            <a:endParaRPr lang="en-US" altLang="zh-CN" sz="2400">
+              <a:latin typeface="Roboto Mono Light" pitchFamily="2" charset="0"/>
+            </a:endParaRPr>
+          </a:p>
+          <a:p>
+            <a:r>
+              <a:rPr lang="en-US" altLang="zh-CN" sz="2400">
+                <a:latin typeface="Roboto Mono Light" pitchFamily="2" charset="0"/>
+              </a:rPr>
+              <a:t>argc</a:t>
+            </a:r>
+            <a:r>
+              <a:rPr lang="zh-CN" altLang="en-US" sz="2400">
+                <a:latin typeface="Roboto Mono Light" pitchFamily="2" charset="0"/>
+              </a:rPr>
+              <a:t>是传递给程序参数的个数，</a:t>
+            </a:r>
+            <a:r>
+              <a:rPr lang="en-US" altLang="zh-CN" sz="2400">
+                <a:latin typeface="Roboto Mono Light" pitchFamily="2" charset="0"/>
+              </a:rPr>
+              <a:t>argv</a:t>
+            </a:r>
+            <a:r>
+              <a:rPr lang="zh-CN" altLang="en-US" sz="2400">
+                <a:latin typeface="Roboto Mono Light" pitchFamily="2" charset="0"/>
+              </a:rPr>
+              <a:t>是每个参数的值，</a:t>
+            </a:r>
+            <a:r>
+              <a:rPr lang="en-US" altLang="zh-CN" sz="2400">
+                <a:latin typeface="Roboto Mono Light" pitchFamily="2" charset="0"/>
+              </a:rPr>
+              <a:t>argv[0]</a:t>
+            </a:r>
+            <a:r>
+              <a:rPr lang="zh-CN" altLang="en-US" sz="2400">
+                <a:latin typeface="Roboto Mono Light" pitchFamily="2" charset="0"/>
+              </a:rPr>
+              <a:t>永远都是程序文件的名称。但是这个名称是带有路径信息的。</a:t>
+            </a:r>
+            <a:endParaRPr lang="en-US" altLang="zh-CN" sz="2400">
+              <a:latin typeface="Roboto Mono Light" pitchFamily="2" charset="0"/>
+            </a:endParaRPr>
           </a:p>
         </p:txBody>
       </p:sp>
